--- a/JUnit.pptx
+++ b/JUnit.pptx
@@ -5,7 +5,7 @@
     <p:sldMasterId id="2147483672" r:id="rId1"/>
   </p:sldMasterIdLst>
   <p:notesMasterIdLst>
-    <p:notesMasterId r:id="rId26"/>
+    <p:notesMasterId r:id="rId29"/>
   </p:notesMasterIdLst>
   <p:sldIdLst>
     <p:sldId id="256" r:id="rId2"/>
@@ -32,6 +32,9 @@
     <p:sldId id="277" r:id="rId23"/>
     <p:sldId id="278" r:id="rId24"/>
     <p:sldId id="279" r:id="rId25"/>
+    <p:sldId id="280" r:id="rId26"/>
+    <p:sldId id="281" r:id="rId27"/>
+    <p:sldId id="282" r:id="rId28"/>
   </p:sldIdLst>
   <p:sldSz cx="9144000" cy="6858000" type="screen4x3"/>
   <p:notesSz cx="6858000" cy="9144000"/>
@@ -215,7 +218,8 @@
           <a:p>
             <a:fld id="{774BA6FD-B11A-4EA8-A5C1-8E709AA6E4BD}" type="datetimeFigureOut">
               <a:rPr lang="en-GB" smtClean="0"/>
-              <a:t>06/03/2017</a:t>
+              <a:pPr/>
+              <a:t>27/03/2017</a:t>
             </a:fld>
             <a:endParaRPr lang="en-GB"/>
           </a:p>
@@ -376,6 +380,7 @@
           <a:p>
             <a:fld id="{DC169B76-49FE-4175-99AE-6C8E9D12C83D}" type="slidenum">
               <a:rPr lang="en-GB" smtClean="0"/>
+              <a:pPr/>
               <a:t>‹#›</a:t>
             </a:fld>
             <a:endParaRPr lang="en-GB"/>
@@ -547,6 +552,7 @@
           <a:p>
             <a:fld id="{DC169B76-49FE-4175-99AE-6C8E9D12C83D}" type="slidenum">
               <a:rPr lang="en-GB" smtClean="0"/>
+              <a:pPr/>
               <a:t>15</a:t>
             </a:fld>
             <a:endParaRPr lang="en-GB"/>
@@ -781,7 +787,7 @@
             <a:fld id="{D7C3A134-F1C3-464B-BF47-54DC2DE08F52}" type="datetimeFigureOut">
               <a:rPr lang="en-US" smtClean="0"/>
               <a:pPr/>
-              <a:t>3/6/2017</a:t>
+              <a:t>3/27/2017</a:t>
             </a:fld>
             <a:endParaRPr lang="en-US"/>
           </a:p>
@@ -970,7 +976,7 @@
             <a:fld id="{D7C3A134-F1C3-464B-BF47-54DC2DE08F52}" type="datetimeFigureOut">
               <a:rPr lang="en-US" smtClean="0"/>
               <a:pPr/>
-              <a:t>3/6/2017</a:t>
+              <a:t>3/27/2017</a:t>
             </a:fld>
             <a:endParaRPr lang="en-US"/>
           </a:p>
@@ -1147,7 +1153,7 @@
             <a:fld id="{D7C3A134-F1C3-464B-BF47-54DC2DE08F52}" type="datetimeFigureOut">
               <a:rPr lang="en-US" smtClean="0"/>
               <a:pPr/>
-              <a:t>3/6/2017</a:t>
+              <a:t>3/27/2017</a:t>
             </a:fld>
             <a:endParaRPr lang="en-US"/>
           </a:p>
@@ -1329,7 +1335,7 @@
             <a:fld id="{D7C3A134-F1C3-464B-BF47-54DC2DE08F52}" type="datetimeFigureOut">
               <a:rPr lang="en-US" smtClean="0"/>
               <a:pPr/>
-              <a:t>3/6/2017</a:t>
+              <a:t>3/27/2017</a:t>
             </a:fld>
             <a:endParaRPr lang="en-US"/>
           </a:p>
@@ -1578,7 +1584,7 @@
             <a:fld id="{D7C3A134-F1C3-464B-BF47-54DC2DE08F52}" type="datetimeFigureOut">
               <a:rPr lang="en-US" smtClean="0"/>
               <a:pPr/>
-              <a:t>3/6/2017</a:t>
+              <a:t>3/27/2017</a:t>
             </a:fld>
             <a:endParaRPr lang="en-US"/>
           </a:p>
@@ -2054,7 +2060,7 @@
             <a:fld id="{D7C3A134-F1C3-464B-BF47-54DC2DE08F52}" type="datetimeFigureOut">
               <a:rPr lang="en-US" smtClean="0"/>
               <a:pPr/>
-              <a:t>3/6/2017</a:t>
+              <a:t>3/27/2017</a:t>
             </a:fld>
             <a:endParaRPr lang="en-US"/>
           </a:p>
@@ -2471,7 +2477,7 @@
             <a:fld id="{D7C3A134-F1C3-464B-BF47-54DC2DE08F52}" type="datetimeFigureOut">
               <a:rPr lang="en-US" smtClean="0"/>
               <a:pPr/>
-              <a:t>3/6/2017</a:t>
+              <a:t>3/27/2017</a:t>
             </a:fld>
             <a:endParaRPr lang="en-US"/>
           </a:p>
@@ -2604,7 +2610,7 @@
             <a:fld id="{D7C3A134-F1C3-464B-BF47-54DC2DE08F52}" type="datetimeFigureOut">
               <a:rPr lang="en-US" smtClean="0"/>
               <a:pPr/>
-              <a:t>3/6/2017</a:t>
+              <a:t>3/27/2017</a:t>
             </a:fld>
             <a:endParaRPr lang="en-US"/>
           </a:p>
@@ -2701,7 +2707,7 @@
             <a:fld id="{D7C3A134-F1C3-464B-BF47-54DC2DE08F52}" type="datetimeFigureOut">
               <a:rPr lang="en-US" smtClean="0"/>
               <a:pPr/>
-              <a:t>3/6/2017</a:t>
+              <a:t>3/27/2017</a:t>
             </a:fld>
             <a:endParaRPr lang="en-US"/>
           </a:p>
@@ -2981,7 +2987,7 @@
             <a:fld id="{D7C3A134-F1C3-464B-BF47-54DC2DE08F52}" type="datetimeFigureOut">
               <a:rPr lang="en-US" smtClean="0"/>
               <a:pPr/>
-              <a:t>3/6/2017</a:t>
+              <a:t>3/27/2017</a:t>
             </a:fld>
             <a:endParaRPr lang="en-US"/>
           </a:p>
@@ -3235,7 +3241,7 @@
             <a:fld id="{D7C3A134-F1C3-464B-BF47-54DC2DE08F52}" type="datetimeFigureOut">
               <a:rPr lang="en-US" smtClean="0"/>
               <a:pPr/>
-              <a:t>3/6/2017</a:t>
+              <a:t>3/27/2017</a:t>
             </a:fld>
             <a:endParaRPr lang="en-US" dirty="0"/>
           </a:p>
@@ -3609,7 +3615,7 @@
             <a:fld id="{D7C3A134-F1C3-464B-BF47-54DC2DE08F52}" type="datetimeFigureOut">
               <a:rPr lang="en-US" smtClean="0"/>
               <a:pPr/>
-              <a:t>3/6/2017</a:t>
+              <a:t>3/27/2017</a:t>
             </a:fld>
             <a:endParaRPr lang="en-US" dirty="0"/>
           </a:p>
@@ -4842,21 +4848,7 @@
                 <a:latin typeface="Arial" pitchFamily="34" charset="0"/>
                 <a:cs typeface="Arial" pitchFamily="34" charset="0"/>
               </a:rPr>
-              <a:t>D</a:t>
-            </a:r>
-            <a:r>
-              <a:rPr lang="en-GB" sz="2400" dirty="0" smtClean="0">
-                <a:effectLst>
-                  <a:outerShdw blurRad="38100" dist="38100" dir="2700000" algn="tl">
-                    <a:srgbClr val="000000">
-                      <a:alpha val="43137"/>
-                    </a:srgbClr>
-                  </a:outerShdw>
-                </a:effectLst>
-                <a:latin typeface="Arial" pitchFamily="34" charset="0"/>
-                <a:cs typeface="Arial" pitchFamily="34" charset="0"/>
-              </a:rPr>
-              <a:t>:\JUnit-example&gt;set </a:t>
+              <a:t>D:\JUnit-example&gt;set </a:t>
             </a:r>
             <a:r>
               <a:rPr lang="en-GB" sz="2400" dirty="0" err="1" smtClean="0">
@@ -4884,21 +4876,7 @@
                 <a:latin typeface="Arial" pitchFamily="34" charset="0"/>
                 <a:cs typeface="Arial" pitchFamily="34" charset="0"/>
               </a:rPr>
-              <a:t>=%JUNIT_HOME%\</a:t>
-            </a:r>
-            <a:r>
-              <a:rPr lang="en-GB" sz="2400" dirty="0" smtClean="0">
-                <a:effectLst>
-                  <a:outerShdw blurRad="38100" dist="38100" dir="2700000" algn="tl">
-                    <a:srgbClr val="000000">
-                      <a:alpha val="43137"/>
-                    </a:srgbClr>
-                  </a:outerShdw>
-                </a:effectLst>
-                <a:latin typeface="Arial" pitchFamily="34" charset="0"/>
-                <a:cs typeface="Arial" pitchFamily="34" charset="0"/>
-              </a:rPr>
-              <a:t>junit-4.12.jar</a:t>
+              <a:t>=%JUNIT_HOME%\junit-4.12.jar</a:t>
             </a:r>
           </a:p>
           <a:p>
@@ -4988,21 +4966,7 @@
                 <a:latin typeface="Arial" pitchFamily="34" charset="0"/>
                 <a:cs typeface="Arial" pitchFamily="34" charset="0"/>
               </a:rPr>
-              <a:t> </a:t>
-            </a:r>
-            <a:r>
-              <a:rPr lang="en-GB" sz="2400" dirty="0" smtClean="0">
-                <a:effectLst>
-                  <a:outerShdw blurRad="38100" dist="38100" dir="2700000" algn="tl">
-                    <a:srgbClr val="000000">
-                      <a:alpha val="43137"/>
-                    </a:srgbClr>
-                  </a:outerShdw>
-                </a:effectLst>
-                <a:latin typeface="Arial" pitchFamily="34" charset="0"/>
-                <a:cs typeface="Arial" pitchFamily="34" charset="0"/>
-              </a:rPr>
-              <a:t>Calculator.java</a:t>
+              <a:t> Calculator.java</a:t>
             </a:r>
           </a:p>
           <a:p>
@@ -5047,21 +5011,7 @@
                 <a:latin typeface="Arial" pitchFamily="34" charset="0"/>
                 <a:cs typeface="Arial" pitchFamily="34" charset="0"/>
               </a:rPr>
-              <a:t> -cp .;junit-4.12.jar </a:t>
-            </a:r>
-            <a:r>
-              <a:rPr lang="en-GB" sz="2400" dirty="0" smtClean="0">
-                <a:effectLst>
-                  <a:outerShdw blurRad="38100" dist="38100" dir="2700000" algn="tl">
-                    <a:srgbClr val="000000">
-                      <a:alpha val="43137"/>
-                    </a:srgbClr>
-                  </a:outerShdw>
-                </a:effectLst>
-                <a:latin typeface="Arial" pitchFamily="34" charset="0"/>
-                <a:cs typeface="Arial" pitchFamily="34" charset="0"/>
-              </a:rPr>
-              <a:t>CalculatorTest.java</a:t>
+              <a:t> -cp .;junit-4.12.jar CalculatorTest.java</a:t>
             </a:r>
           </a:p>
           <a:p>
@@ -5504,11 +5454,7 @@
             </a:r>
             <a:r>
               <a:rPr lang="en-GB" dirty="0" smtClean="0"/>
-              <a:t>&lt;Object&gt;().get(0</a:t>
-            </a:r>
-            <a:r>
-              <a:rPr lang="en-GB" dirty="0" smtClean="0"/>
-              <a:t>);</a:t>
+              <a:t>&lt;Object&gt;().get(0);</a:t>
             </a:r>
           </a:p>
           <a:p>
@@ -5739,13 +5685,8 @@
             </a:r>
             <a:r>
               <a:rPr lang="en-GB" dirty="0" smtClean="0"/>
-              <a:t> denominator = 0</a:t>
-            </a:r>
-            <a:r>
-              <a:rPr lang="en-GB" dirty="0" smtClean="0"/>
-              <a:t>;</a:t>
-            </a:r>
-            <a:endParaRPr lang="en-GB" dirty="0" smtClean="0"/>
+              <a:t> denominator = 0;</a:t>
+            </a:r>
           </a:p>
           <a:p>
             <a:r>
@@ -5770,11 +5711,7 @@
             </a:r>
             <a:r>
               <a:rPr lang="en-GB" dirty="0" smtClean="0"/>
-              <a:t> = numerator/denominator</a:t>
-            </a:r>
-            <a:r>
-              <a:rPr lang="en-GB" dirty="0" smtClean="0"/>
-              <a:t>;</a:t>
+              <a:t> = numerator/denominator;</a:t>
             </a:r>
           </a:p>
           <a:p>
@@ -6017,13 +5954,8 @@
             <a:pPr algn="l"/>
             <a:r>
               <a:rPr lang="en-GB" dirty="0" smtClean="0"/>
-              <a:t> @</a:t>
-            </a:r>
-            <a:r>
-              <a:rPr lang="en-GB" dirty="0" smtClean="0"/>
-              <a:t>Ignore(“This method is ignored)</a:t>
-            </a:r>
-            <a:endParaRPr lang="en-GB" dirty="0" smtClean="0"/>
+              <a:t> @Ignore(“This method is ignored)</a:t>
+            </a:r>
           </a:p>
           <a:p>
             <a:pPr algn="l"/>
@@ -6158,15 +6090,7 @@
           <a:p>
             <a:r>
               <a:rPr lang="en-GB" dirty="0" smtClean="0"/>
-              <a:t>What </a:t>
-            </a:r>
-            <a:r>
-              <a:rPr lang="en-GB" dirty="0" smtClean="0"/>
-              <a:t>are five steps that you need to follow to create a </a:t>
-            </a:r>
-            <a:r>
-              <a:rPr lang="en-GB" dirty="0" smtClean="0"/>
-              <a:t>parameterized test?</a:t>
+              <a:t>What are five steps that you need to follow to create a parameterized test?</a:t>
             </a:r>
             <a:endParaRPr lang="en-GB" dirty="0"/>
           </a:p>
@@ -6197,31 +6121,19 @@
             <a:pPr algn="l"/>
             <a:r>
               <a:rPr lang="en-GB" sz="2400" dirty="0" smtClean="0"/>
-              <a:t>The first one is to annotate the test class with </a:t>
-            </a:r>
+              <a:t>The first one is to annotate the test class with @Run (value =parameterized . </a:t>
+            </a:r>
+            <a:r>
+              <a:rPr lang="en-GB" sz="2400" smtClean="0"/>
+              <a:t>class)</a:t>
+            </a:r>
+            <a:endParaRPr lang="en-GB" sz="2400" dirty="0" smtClean="0"/>
+          </a:p>
+          <a:p>
+            <a:pPr algn="l"/>
             <a:r>
               <a:rPr lang="en-GB" sz="2400" dirty="0" smtClean="0"/>
-              <a:t>@Run (value =parameterized . </a:t>
-            </a:r>
-            <a:r>
-              <a:rPr lang="en-GB" sz="2400" smtClean="0"/>
-              <a:t>class</a:t>
-            </a:r>
-            <a:r>
-              <a:rPr lang="en-GB" sz="2400" smtClean="0"/>
-              <a:t>)</a:t>
-            </a:r>
-            <a:endParaRPr lang="en-GB" sz="2400" dirty="0" smtClean="0"/>
-          </a:p>
-          <a:p>
-            <a:pPr algn="l"/>
-            <a:r>
-              <a:rPr lang="en-GB" sz="2400" dirty="0" smtClean="0"/>
-              <a:t>Step two is to create a public static method that's annotated with @parameters</a:t>
-            </a:r>
-            <a:r>
-              <a:rPr lang="en-GB" sz="2400" dirty="0" smtClean="0"/>
-              <a:t>.</a:t>
+              <a:t>Step two is to create a public static method that's annotated with @parameters.</a:t>
             </a:r>
           </a:p>
           <a:p>
@@ -6313,13 +6225,240 @@
           <a:p>
             <a:r>
               <a:rPr lang="en-GB" dirty="0" smtClean="0"/>
-              <a:t>It </a:t>
-            </a:r>
-            <a:r>
-              <a:rPr lang="en-GB" dirty="0" smtClean="0"/>
-              <a:t>makes testing multiple test cases a lot easier.</a:t>
+              <a:t>It makes testing multiple test cases a lot easier.</a:t>
             </a:r>
             <a:endParaRPr lang="en-GB" dirty="0"/>
+          </a:p>
+        </p:txBody>
+      </p:sp>
+    </p:spTree>
+  </p:cSld>
+  <p:clrMapOvr>
+    <a:masterClrMapping/>
+  </p:clrMapOvr>
+</p:sld>
+</file>
+
+<file path=ppt/slides/slide25.xml><?xml version="1.0" encoding="utf-8"?>
+<p:sld xmlns:a="http://schemas.openxmlformats.org/drawingml/2006/main" xmlns:r="http://schemas.openxmlformats.org/officeDocument/2006/relationships" xmlns:p="http://schemas.openxmlformats.org/presentationml/2006/main">
+  <p:cSld>
+    <p:spTree>
+      <p:nvGrpSpPr>
+        <p:cNvPr id="1" name=""/>
+        <p:cNvGrpSpPr/>
+        <p:nvPr/>
+      </p:nvGrpSpPr>
+      <p:grpSpPr>
+        <a:xfrm>
+          <a:off x="0" y="0"/>
+          <a:ext cx="0" cy="0"/>
+          <a:chOff x="0" y="0"/>
+          <a:chExt cx="0" cy="0"/>
+        </a:xfrm>
+      </p:grpSpPr>
+      <p:sp>
+        <p:nvSpPr>
+          <p:cNvPr id="2" name="Title 1"/>
+          <p:cNvSpPr>
+            <a:spLocks noGrp="1"/>
+          </p:cNvSpPr>
+          <p:nvPr>
+            <p:ph type="title"/>
+          </p:nvPr>
+        </p:nvSpPr>
+        <p:spPr/>
+        <p:txBody>
+          <a:bodyPr/>
+          <a:lstStyle/>
+          <a:p>
+            <a:r>
+              <a:rPr lang="en-GB" dirty="0" smtClean="0"/>
+              <a:t>Is JUnit part of java library?</a:t>
+            </a:r>
+            <a:endParaRPr lang="en-GB" dirty="0"/>
+          </a:p>
+        </p:txBody>
+      </p:sp>
+      <p:sp>
+        <p:nvSpPr>
+          <p:cNvPr id="3" name="Content Placeholder 2"/>
+          <p:cNvSpPr>
+            <a:spLocks noGrp="1"/>
+          </p:cNvSpPr>
+          <p:nvPr>
+            <p:ph idx="1"/>
+          </p:nvPr>
+        </p:nvSpPr>
+        <p:spPr/>
+        <p:txBody>
+          <a:bodyPr/>
+          <a:lstStyle/>
+          <a:p>
+            <a:r>
+              <a:rPr lang="en-GB" dirty="0" smtClean="0"/>
+              <a:t>No it is a third party library</a:t>
+            </a:r>
+            <a:endParaRPr lang="en-GB" dirty="0"/>
+          </a:p>
+        </p:txBody>
+      </p:sp>
+    </p:spTree>
+  </p:cSld>
+  <p:clrMapOvr>
+    <a:masterClrMapping/>
+  </p:clrMapOvr>
+</p:sld>
+</file>
+
+<file path=ppt/slides/slide26.xml><?xml version="1.0" encoding="utf-8"?>
+<p:sld xmlns:a="http://schemas.openxmlformats.org/drawingml/2006/main" xmlns:r="http://schemas.openxmlformats.org/officeDocument/2006/relationships" xmlns:p="http://schemas.openxmlformats.org/presentationml/2006/main">
+  <p:cSld>
+    <p:spTree>
+      <p:nvGrpSpPr>
+        <p:cNvPr id="1" name=""/>
+        <p:cNvGrpSpPr/>
+        <p:nvPr/>
+      </p:nvGrpSpPr>
+      <p:grpSpPr>
+        <a:xfrm>
+          <a:off x="0" y="0"/>
+          <a:ext cx="0" cy="0"/>
+          <a:chOff x="0" y="0"/>
+          <a:chExt cx="0" cy="0"/>
+        </a:xfrm>
+      </p:grpSpPr>
+      <p:sp>
+        <p:nvSpPr>
+          <p:cNvPr id="2" name="Title 1"/>
+          <p:cNvSpPr>
+            <a:spLocks noGrp="1"/>
+          </p:cNvSpPr>
+          <p:nvPr>
+            <p:ph type="ctrTitle"/>
+          </p:nvPr>
+        </p:nvSpPr>
+        <p:spPr/>
+        <p:txBody>
+          <a:bodyPr/>
+          <a:lstStyle/>
+          <a:p>
+            <a:r>
+              <a:rPr lang="en-GB" dirty="0" smtClean="0"/>
+              <a:t>More examples on </a:t>
+            </a:r>
+            <a:endParaRPr lang="en-GB" dirty="0"/>
+          </a:p>
+        </p:txBody>
+      </p:sp>
+      <p:sp>
+        <p:nvSpPr>
+          <p:cNvPr id="3" name="Subtitle 2"/>
+          <p:cNvSpPr>
+            <a:spLocks noGrp="1"/>
+          </p:cNvSpPr>
+          <p:nvPr>
+            <p:ph type="subTitle" idx="1"/>
+          </p:nvPr>
+        </p:nvSpPr>
+        <p:spPr/>
+        <p:txBody>
+          <a:bodyPr/>
+          <a:lstStyle/>
+          <a:p>
+            <a:r>
+              <a:rPr lang="en-GB" dirty="0" smtClean="0"/>
+              <a:t>Java videos by </a:t>
+            </a:r>
+            <a:r>
+              <a:rPr lang="en-GB" dirty="0" err="1" smtClean="0"/>
+              <a:t>pintu</a:t>
+            </a:r>
+            <a:endParaRPr lang="en-GB" dirty="0"/>
+          </a:p>
+        </p:txBody>
+      </p:sp>
+    </p:spTree>
+  </p:cSld>
+  <p:clrMapOvr>
+    <a:masterClrMapping/>
+  </p:clrMapOvr>
+</p:sld>
+</file>
+
+<file path=ppt/slides/slide27.xml><?xml version="1.0" encoding="utf-8"?>
+<p:sld xmlns:a="http://schemas.openxmlformats.org/drawingml/2006/main" xmlns:r="http://schemas.openxmlformats.org/officeDocument/2006/relationships" xmlns:p="http://schemas.openxmlformats.org/presentationml/2006/main">
+  <p:cSld>
+    <p:spTree>
+      <p:nvGrpSpPr>
+        <p:cNvPr id="1" name=""/>
+        <p:cNvGrpSpPr/>
+        <p:nvPr/>
+      </p:nvGrpSpPr>
+      <p:grpSpPr>
+        <a:xfrm>
+          <a:off x="0" y="0"/>
+          <a:ext cx="0" cy="0"/>
+          <a:chOff x="0" y="0"/>
+          <a:chExt cx="0" cy="0"/>
+        </a:xfrm>
+      </p:grpSpPr>
+      <p:sp>
+        <p:nvSpPr>
+          <p:cNvPr id="2" name="Title 1"/>
+          <p:cNvSpPr>
+            <a:spLocks noGrp="1"/>
+          </p:cNvSpPr>
+          <p:nvPr>
+            <p:ph type="ctrTitle"/>
+          </p:nvPr>
+        </p:nvSpPr>
+        <p:spPr/>
+        <p:txBody>
+          <a:bodyPr>
+            <a:normAutofit fontScale="90000"/>
+          </a:bodyPr>
+          <a:lstStyle/>
+          <a:p>
+            <a:r>
+              <a:rPr lang="en-GB" dirty="0" smtClean="0"/>
+              <a:t>What is the use of a constructor within a </a:t>
+            </a:r>
+            <a:r>
+              <a:rPr lang="en-GB" dirty="0" err="1" smtClean="0"/>
+              <a:t>Junit</a:t>
+            </a:r>
+            <a:r>
+              <a:rPr lang="en-GB" dirty="0" smtClean="0"/>
+              <a:t> test case?</a:t>
+            </a:r>
+            <a:endParaRPr lang="en-GB" dirty="0"/>
+          </a:p>
+        </p:txBody>
+      </p:sp>
+      <p:sp>
+        <p:nvSpPr>
+          <p:cNvPr id="3" name="Subtitle 2"/>
+          <p:cNvSpPr>
+            <a:spLocks noGrp="1"/>
+          </p:cNvSpPr>
+          <p:nvPr>
+            <p:ph type="subTitle" idx="1"/>
+          </p:nvPr>
+        </p:nvSpPr>
+        <p:spPr/>
+        <p:txBody>
+          <a:bodyPr/>
+          <a:lstStyle/>
+          <a:p>
+            <a:r>
+              <a:rPr lang="en-GB" dirty="0" smtClean="0"/>
+              <a:t>That constructor will run as many times as @</a:t>
+            </a:r>
+            <a:r>
+              <a:rPr lang="en-GB" smtClean="0"/>
+              <a:t>Testcases</a:t>
+            </a:r>
+            <a:endParaRPr lang="en-GB"/>
           </a:p>
         </p:txBody>
       </p:sp>
